--- a/Slides/PythonArcadeStep8UseAMapEditor.pptx
+++ b/Slides/PythonArcadeStep8UseAMapEditor.pptx
@@ -275,7 +275,7 @@
           <a:p>
             <a:fld id="{095922B8-2402-4D07-8CC1-A7973D5DEA1D}" type="datetimeFigureOut">
               <a:rPr lang="en-US" smtClean="0"/>
-              <a:t>08-Apr-21</a:t>
+              <a:t>10-Apr-21</a:t>
             </a:fld>
             <a:endParaRPr lang="en-US"/>
           </a:p>
@@ -940,7 +940,7 @@
           <a:p>
             <a:fld id="{E2BFE950-A675-4D2F-BC24-F20C16678C63}" type="datetimeFigureOut">
               <a:rPr lang="en-US" smtClean="0"/>
-              <a:t>08-Apr-21</a:t>
+              <a:t>10-Apr-21</a:t>
             </a:fld>
             <a:endParaRPr lang="en-US"/>
           </a:p>
@@ -1243,7 +1243,7 @@
           <a:p>
             <a:fld id="{E2BFE950-A675-4D2F-BC24-F20C16678C63}" type="datetimeFigureOut">
               <a:rPr lang="en-US" smtClean="0"/>
-              <a:t>08-Apr-21</a:t>
+              <a:t>10-Apr-21</a:t>
             </a:fld>
             <a:endParaRPr lang="en-US"/>
           </a:p>
@@ -1412,7 +1412,7 @@
           <a:p>
             <a:fld id="{E2BFE950-A675-4D2F-BC24-F20C16678C63}" type="datetimeFigureOut">
               <a:rPr lang="en-US" smtClean="0"/>
-              <a:t>08-Apr-21</a:t>
+              <a:t>10-Apr-21</a:t>
             </a:fld>
             <a:endParaRPr lang="en-US"/>
           </a:p>
@@ -1586,7 +1586,7 @@
           <a:p>
             <a:fld id="{E2BFE950-A675-4D2F-BC24-F20C16678C63}" type="datetimeFigureOut">
               <a:rPr lang="en-US" smtClean="0"/>
-              <a:t>08-Apr-21</a:t>
+              <a:t>10-Apr-21</a:t>
             </a:fld>
             <a:endParaRPr lang="en-US"/>
           </a:p>
@@ -1749,7 +1749,7 @@
           <a:p>
             <a:fld id="{E2BFE950-A675-4D2F-BC24-F20C16678C63}" type="datetimeFigureOut">
               <a:rPr lang="en-US" smtClean="0"/>
-              <a:t>08-Apr-21</a:t>
+              <a:t>10-Apr-21</a:t>
             </a:fld>
             <a:endParaRPr lang="en-US"/>
           </a:p>
@@ -1922,7 +1922,7 @@
           <a:p>
             <a:fld id="{E2BFE950-A675-4D2F-BC24-F20C16678C63}" type="datetimeFigureOut">
               <a:rPr lang="en-US" smtClean="0"/>
-              <a:t>08-Apr-21</a:t>
+              <a:t>10-Apr-21</a:t>
             </a:fld>
             <a:endParaRPr lang="en-US"/>
           </a:p>
@@ -2211,7 +2211,7 @@
           <a:p>
             <a:fld id="{E2BFE950-A675-4D2F-BC24-F20C16678C63}" type="datetimeFigureOut">
               <a:rPr lang="en-US" smtClean="0"/>
-              <a:t>08-Apr-21</a:t>
+              <a:t>10-Apr-21</a:t>
             </a:fld>
             <a:endParaRPr lang="en-US"/>
           </a:p>
@@ -2535,7 +2535,7 @@
           <a:p>
             <a:fld id="{E2BFE950-A675-4D2F-BC24-F20C16678C63}" type="datetimeFigureOut">
               <a:rPr lang="en-US" smtClean="0"/>
-              <a:t>08-Apr-21</a:t>
+              <a:t>10-Apr-21</a:t>
             </a:fld>
             <a:endParaRPr lang="en-US"/>
           </a:p>
@@ -2959,7 +2959,7 @@
           <a:p>
             <a:fld id="{E2BFE950-A675-4D2F-BC24-F20C16678C63}" type="datetimeFigureOut">
               <a:rPr lang="en-US" smtClean="0"/>
-              <a:t>08-Apr-21</a:t>
+              <a:t>10-Apr-21</a:t>
             </a:fld>
             <a:endParaRPr lang="en-US"/>
           </a:p>
@@ -3132,7 +3132,7 @@
           <a:p>
             <a:fld id="{E2BFE950-A675-4D2F-BC24-F20C16678C63}" type="datetimeFigureOut">
               <a:rPr lang="en-US" smtClean="0"/>
-              <a:t>08-Apr-21</a:t>
+              <a:t>10-Apr-21</a:t>
             </a:fld>
             <a:endParaRPr lang="en-US"/>
           </a:p>
@@ -3222,7 +3222,7 @@
           <a:p>
             <a:fld id="{E2BFE950-A675-4D2F-BC24-F20C16678C63}" type="datetimeFigureOut">
               <a:rPr lang="en-US" smtClean="0"/>
-              <a:t>08-Apr-21</a:t>
+              <a:t>10-Apr-21</a:t>
             </a:fld>
             <a:endParaRPr lang="en-US"/>
           </a:p>
@@ -3501,7 +3501,7 @@
           <a:p>
             <a:fld id="{E2BFE950-A675-4D2F-BC24-F20C16678C63}" type="datetimeFigureOut">
               <a:rPr lang="en-US" smtClean="0"/>
-              <a:t>08-Apr-21</a:t>
+              <a:t>10-Apr-21</a:t>
             </a:fld>
             <a:endParaRPr lang="en-US"/>
           </a:p>
@@ -3748,7 +3748,7 @@
           <a:p>
             <a:fld id="{E2BFE950-A675-4D2F-BC24-F20C16678C63}" type="datetimeFigureOut">
               <a:rPr lang="en-US" smtClean="0"/>
-              <a:t>08-Apr-21</a:t>
+              <a:t>10-Apr-21</a:t>
             </a:fld>
             <a:endParaRPr lang="en-US"/>
           </a:p>
@@ -4334,9 +4334,10 @@
           <a:lstStyle/>
           <a:p>
             <a:r>
-              <a:rPr lang="en-US" dirty="0"/>
-              <a:t>Instructor: Rob Garner</a:t>
-            </a:r>
+              <a:rPr lang="en-US"/>
+              <a:t>Instructor: Rob Garner (rgarner7@cnm.edu)</a:t>
+            </a:r>
+            <a:endParaRPr lang="en-US" dirty="0"/>
           </a:p>
         </p:txBody>
       </p:sp>
